--- a/slides/Roadmap1.pptx
+++ b/slides/Roadmap1.pptx
@@ -1624,10 +1624,7 @@
       <dgm:prSet phldrT="[Text]" custT="1"/>
       <dgm:spPr>
         <a:solidFill>
-          <a:schemeClr val="accent4">
-            <a:lumMod val="60000"/>
-            <a:lumOff val="40000"/>
-          </a:schemeClr>
+          <a:schemeClr val="accent4"/>
         </a:solidFill>
       </dgm:spPr>
       <dgm:t>
@@ -1673,10 +1670,7 @@
       <dgm:spPr>
         <a:ln>
           <a:solidFill>
-            <a:schemeClr val="accent4">
-              <a:lumMod val="60000"/>
-              <a:lumOff val="40000"/>
-            </a:schemeClr>
+            <a:schemeClr val="accent4"/>
           </a:solidFill>
         </a:ln>
       </dgm:spPr>
@@ -1760,7 +1754,210 @@
         <a:p>
           <a:r>
             <a:rPr lang="en-US" dirty="0" smtClean="0"/>
-            <a:t>Normality, homoscedasticity, linearity and Residuals: raw, </a:t>
+            <a:t>Measurement error, normality, linearity, homoscedasticity, and independence</a:t>
+          </a:r>
+          <a:endParaRPr lang="en-US" dirty="0"/>
+        </a:p>
+      </dgm:t>
+    </dgm:pt>
+    <dgm:pt modelId="{6705E72D-4301-4576-B177-E53DAE7C23D0}" type="parTrans" cxnId="{480E7354-5325-4FD8-9E33-CD3ABC70E674}">
+      <dgm:prSet/>
+      <dgm:spPr/>
+      <dgm:t>
+        <a:bodyPr/>
+        <a:lstStyle/>
+        <a:p>
+          <a:endParaRPr lang="en-US"/>
+        </a:p>
+      </dgm:t>
+    </dgm:pt>
+    <dgm:pt modelId="{61ED29F4-2CF6-45E4-8687-4CB3512C400C}" type="sibTrans" cxnId="{480E7354-5325-4FD8-9E33-CD3ABC70E674}">
+      <dgm:prSet/>
+      <dgm:spPr/>
+      <dgm:t>
+        <a:bodyPr/>
+        <a:lstStyle/>
+        <a:p>
+          <a:endParaRPr lang="en-US"/>
+        </a:p>
+      </dgm:t>
+    </dgm:pt>
+    <dgm:pt modelId="{031615EA-FA11-4107-8245-27C82B969141}">
+      <dgm:prSet phldrT="[Text]"/>
+      <dgm:spPr>
+        <a:ln>
+          <a:solidFill>
+            <a:schemeClr val="accent4"/>
+          </a:solidFill>
+        </a:ln>
+      </dgm:spPr>
+      <dgm:t>
+        <a:bodyPr/>
+        <a:lstStyle/>
+        <a:p>
+          <a:r>
+            <a:rPr lang="en-US" dirty="0" smtClean="0"/>
+            <a:t>Review of bivariate regression</a:t>
+          </a:r>
+          <a:endParaRPr lang="en-US" dirty="0"/>
+        </a:p>
+      </dgm:t>
+    </dgm:pt>
+    <dgm:pt modelId="{1A2EAF4A-ACB9-408B-BB4F-FB0B590C50A4}" type="parTrans" cxnId="{53630368-9E9B-492B-9FAF-A79F85678D97}">
+      <dgm:prSet/>
+      <dgm:spPr/>
+      <dgm:t>
+        <a:bodyPr/>
+        <a:lstStyle/>
+        <a:p>
+          <a:endParaRPr lang="en-US"/>
+        </a:p>
+      </dgm:t>
+    </dgm:pt>
+    <dgm:pt modelId="{1818ADAF-D8F6-4EE7-BE09-6A80370DD8CE}" type="sibTrans" cxnId="{53630368-9E9B-492B-9FAF-A79F85678D97}">
+      <dgm:prSet/>
+      <dgm:spPr/>
+      <dgm:t>
+        <a:bodyPr/>
+        <a:lstStyle/>
+        <a:p>
+          <a:endParaRPr lang="en-US"/>
+        </a:p>
+      </dgm:t>
+    </dgm:pt>
+    <dgm:pt modelId="{8F7F7E2A-F410-42C7-8B45-1307FCDA956A}">
+      <dgm:prSet phldrT="[Text]"/>
+      <dgm:spPr>
+        <a:ln>
+          <a:solidFill>
+            <a:schemeClr val="accent4"/>
+          </a:solidFill>
+        </a:ln>
+      </dgm:spPr>
+      <dgm:t>
+        <a:bodyPr/>
+        <a:lstStyle/>
+        <a:p>
+          <a:r>
+            <a:rPr lang="en-US" dirty="0" smtClean="0"/>
+            <a:t>Coefficient- and model-level inference</a:t>
+          </a:r>
+          <a:endParaRPr lang="en-US" dirty="0"/>
+        </a:p>
+      </dgm:t>
+    </dgm:pt>
+    <dgm:pt modelId="{AF3D963D-3D08-4693-9717-AD62C14B5472}" type="parTrans" cxnId="{B53E0D74-1E71-42C0-8BE5-A7449D0F5B04}">
+      <dgm:prSet/>
+      <dgm:spPr/>
+      <dgm:t>
+        <a:bodyPr/>
+        <a:lstStyle/>
+        <a:p>
+          <a:endParaRPr lang="en-US"/>
+        </a:p>
+      </dgm:t>
+    </dgm:pt>
+    <dgm:pt modelId="{191B3D3C-1376-48C6-AEA1-4D37D530CC8A}" type="sibTrans" cxnId="{B53E0D74-1E71-42C0-8BE5-A7449D0F5B04}">
+      <dgm:prSet/>
+      <dgm:spPr/>
+      <dgm:t>
+        <a:bodyPr/>
+        <a:lstStyle/>
+        <a:p>
+          <a:endParaRPr lang="en-US"/>
+        </a:p>
+      </dgm:t>
+    </dgm:pt>
+    <dgm:pt modelId="{C79F49F7-7A07-4BE5-B714-8D0EB38CA390}">
+      <dgm:prSet phldrT="[Text]"/>
+      <dgm:spPr>
+        <a:ln>
+          <a:solidFill>
+            <a:schemeClr val="accent4"/>
+          </a:solidFill>
+        </a:ln>
+      </dgm:spPr>
+      <dgm:t>
+        <a:bodyPr/>
+        <a:lstStyle/>
+        <a:p>
+          <a:r>
+            <a:rPr lang="en-US" dirty="0" smtClean="0"/>
+            <a:t>Correlation…and causality</a:t>
+          </a:r>
+          <a:endParaRPr lang="en-US" dirty="0"/>
+        </a:p>
+      </dgm:t>
+    </dgm:pt>
+    <dgm:pt modelId="{F9A7E902-D817-466C-AA9B-B5F134F4AF2A}" type="parTrans" cxnId="{C48DD496-47F6-4BB1-9D09-78C7CAFE3EA9}">
+      <dgm:prSet/>
+      <dgm:spPr/>
+      <dgm:t>
+        <a:bodyPr/>
+        <a:lstStyle/>
+        <a:p>
+          <a:endParaRPr lang="en-US"/>
+        </a:p>
+      </dgm:t>
+    </dgm:pt>
+    <dgm:pt modelId="{7FC3F55F-5ED7-4726-9569-0121251308C8}" type="sibTrans" cxnId="{C48DD496-47F6-4BB1-9D09-78C7CAFE3EA9}">
+      <dgm:prSet/>
+      <dgm:spPr/>
+      <dgm:t>
+        <a:bodyPr/>
+        <a:lstStyle/>
+        <a:p>
+          <a:endParaRPr lang="en-US"/>
+        </a:p>
+      </dgm:t>
+    </dgm:pt>
+    <dgm:pt modelId="{C5716A3D-F799-416B-9E44-F935B9390DD5}">
+      <dgm:prSet phldrT="[Text]"/>
+      <dgm:spPr/>
+      <dgm:t>
+        <a:bodyPr/>
+        <a:lstStyle/>
+        <a:p>
+          <a:r>
+            <a:rPr lang="en-US" dirty="0" smtClean="0"/>
+            <a:t>Diagnostics and solutions</a:t>
+          </a:r>
+          <a:endParaRPr lang="en-US" dirty="0"/>
+        </a:p>
+      </dgm:t>
+    </dgm:pt>
+    <dgm:pt modelId="{155A95F4-E909-45C5-9B1F-078690918165}" type="parTrans" cxnId="{E304D7B4-BDCF-484F-9D64-913A186E924F}">
+      <dgm:prSet/>
+      <dgm:spPr/>
+      <dgm:t>
+        <a:bodyPr/>
+        <a:lstStyle/>
+        <a:p>
+          <a:endParaRPr lang="en-US"/>
+        </a:p>
+      </dgm:t>
+    </dgm:pt>
+    <dgm:pt modelId="{76983B5E-954B-4C31-B01E-3B17BF43F7F6}" type="sibTrans" cxnId="{E304D7B4-BDCF-484F-9D64-913A186E924F}">
+      <dgm:prSet/>
+      <dgm:spPr/>
+      <dgm:t>
+        <a:bodyPr/>
+        <a:lstStyle/>
+        <a:p>
+          <a:endParaRPr lang="en-US"/>
+        </a:p>
+      </dgm:t>
+    </dgm:pt>
+    <dgm:pt modelId="{88DCB6DD-65EA-4D2C-B057-1EE122DB965B}">
+      <dgm:prSet phldrT="[Text]"/>
+      <dgm:spPr/>
+      <dgm:t>
+        <a:bodyPr/>
+        <a:lstStyle/>
+        <a:p>
+          <a:r>
+            <a:rPr lang="en-US" dirty="0" smtClean="0"/>
+            <a:t>Residuals: raw, </a:t>
           </a:r>
           <a:r>
             <a:rPr lang="en-US" dirty="0" err="1" smtClean="0"/>
@@ -1774,7 +1971,7 @@
         </a:p>
       </dgm:t>
     </dgm:pt>
-    <dgm:pt modelId="{6705E72D-4301-4576-B177-E53DAE7C23D0}" type="parTrans" cxnId="{480E7354-5325-4FD8-9E33-CD3ABC70E674}">
+    <dgm:pt modelId="{50045229-C663-4CF5-A827-69438766CFF9}" type="parTrans" cxnId="{053A7ACB-2E39-405F-B090-757AD48AE176}">
       <dgm:prSet/>
       <dgm:spPr/>
       <dgm:t>
@@ -1785,7 +1982,7 @@
         </a:p>
       </dgm:t>
     </dgm:pt>
-    <dgm:pt modelId="{61ED29F4-2CF6-45E4-8687-4CB3512C400C}" type="sibTrans" cxnId="{480E7354-5325-4FD8-9E33-CD3ABC70E674}">
+    <dgm:pt modelId="{C46A6EB2-3ECE-4E30-B1E8-A692B43542DA}" type="sibTrans" cxnId="{053A7ACB-2E39-405F-B090-757AD48AE176}">
       <dgm:prSet/>
       <dgm:spPr/>
       <dgm:t>
@@ -1796,31 +1993,22 @@
         </a:p>
       </dgm:t>
     </dgm:pt>
-    <dgm:pt modelId="{031615EA-FA11-4107-8245-27C82B969141}">
+    <dgm:pt modelId="{0F818D36-FCCA-4DC5-AA6C-B2DADC67EEB4}">
       <dgm:prSet phldrT="[Text]"/>
-      <dgm:spPr>
-        <a:ln>
-          <a:solidFill>
-            <a:schemeClr val="accent4">
-              <a:lumMod val="60000"/>
-              <a:lumOff val="40000"/>
-            </a:schemeClr>
-          </a:solidFill>
-        </a:ln>
-      </dgm:spPr>
+      <dgm:spPr/>
       <dgm:t>
         <a:bodyPr/>
         <a:lstStyle/>
         <a:p>
           <a:r>
             <a:rPr lang="en-US" dirty="0" smtClean="0"/>
-            <a:t>Review of bivariate regression</a:t>
+            <a:t>Outliers</a:t>
           </a:r>
           <a:endParaRPr lang="en-US" dirty="0"/>
         </a:p>
       </dgm:t>
     </dgm:pt>
-    <dgm:pt modelId="{1A2EAF4A-ACB9-408B-BB4F-FB0B590C50A4}" type="parTrans" cxnId="{53630368-9E9B-492B-9FAF-A79F85678D97}">
+    <dgm:pt modelId="{1784B3FA-4E9F-4032-AF1E-20F41C588576}" type="parTrans" cxnId="{5958F67A-2312-488F-96B2-759F9CB29221}">
       <dgm:prSet/>
       <dgm:spPr/>
       <dgm:t>
@@ -1831,173 +2019,7 @@
         </a:p>
       </dgm:t>
     </dgm:pt>
-    <dgm:pt modelId="{1818ADAF-D8F6-4EE7-BE09-6A80370DD8CE}" type="sibTrans" cxnId="{53630368-9E9B-492B-9FAF-A79F85678D97}">
-      <dgm:prSet/>
-      <dgm:spPr/>
-      <dgm:t>
-        <a:bodyPr/>
-        <a:lstStyle/>
-        <a:p>
-          <a:endParaRPr lang="en-US"/>
-        </a:p>
-      </dgm:t>
-    </dgm:pt>
-    <dgm:pt modelId="{8F7F7E2A-F410-42C7-8B45-1307FCDA956A}">
-      <dgm:prSet phldrT="[Text]"/>
-      <dgm:spPr>
-        <a:ln>
-          <a:solidFill>
-            <a:schemeClr val="accent4">
-              <a:lumMod val="60000"/>
-              <a:lumOff val="40000"/>
-            </a:schemeClr>
-          </a:solidFill>
-        </a:ln>
-      </dgm:spPr>
-      <dgm:t>
-        <a:bodyPr/>
-        <a:lstStyle/>
-        <a:p>
-          <a:r>
-            <a:rPr lang="en-US" dirty="0" smtClean="0"/>
-            <a:t>Coefficient- and model-level inference</a:t>
-          </a:r>
-          <a:endParaRPr lang="en-US" dirty="0"/>
-        </a:p>
-      </dgm:t>
-    </dgm:pt>
-    <dgm:pt modelId="{AF3D963D-3D08-4693-9717-AD62C14B5472}" type="parTrans" cxnId="{B53E0D74-1E71-42C0-8BE5-A7449D0F5B04}">
-      <dgm:prSet/>
-      <dgm:spPr/>
-      <dgm:t>
-        <a:bodyPr/>
-        <a:lstStyle/>
-        <a:p>
-          <a:endParaRPr lang="en-US"/>
-        </a:p>
-      </dgm:t>
-    </dgm:pt>
-    <dgm:pt modelId="{191B3D3C-1376-48C6-AEA1-4D37D530CC8A}" type="sibTrans" cxnId="{B53E0D74-1E71-42C0-8BE5-A7449D0F5B04}">
-      <dgm:prSet/>
-      <dgm:spPr/>
-      <dgm:t>
-        <a:bodyPr/>
-        <a:lstStyle/>
-        <a:p>
-          <a:endParaRPr lang="en-US"/>
-        </a:p>
-      </dgm:t>
-    </dgm:pt>
-    <dgm:pt modelId="{C79F49F7-7A07-4BE5-B714-8D0EB38CA390}">
-      <dgm:prSet phldrT="[Text]"/>
-      <dgm:spPr>
-        <a:ln>
-          <a:solidFill>
-            <a:schemeClr val="accent4">
-              <a:lumMod val="60000"/>
-              <a:lumOff val="40000"/>
-            </a:schemeClr>
-          </a:solidFill>
-        </a:ln>
-      </dgm:spPr>
-      <dgm:t>
-        <a:bodyPr/>
-        <a:lstStyle/>
-        <a:p>
-          <a:r>
-            <a:rPr lang="en-US" dirty="0" smtClean="0"/>
-            <a:t>Correlation and causality</a:t>
-          </a:r>
-          <a:endParaRPr lang="en-US" dirty="0"/>
-        </a:p>
-      </dgm:t>
-    </dgm:pt>
-    <dgm:pt modelId="{F9A7E902-D817-466C-AA9B-B5F134F4AF2A}" type="parTrans" cxnId="{C48DD496-47F6-4BB1-9D09-78C7CAFE3EA9}">
-      <dgm:prSet/>
-      <dgm:spPr/>
-      <dgm:t>
-        <a:bodyPr/>
-        <a:lstStyle/>
-        <a:p>
-          <a:endParaRPr lang="en-US"/>
-        </a:p>
-      </dgm:t>
-    </dgm:pt>
-    <dgm:pt modelId="{7FC3F55F-5ED7-4726-9569-0121251308C8}" type="sibTrans" cxnId="{C48DD496-47F6-4BB1-9D09-78C7CAFE3EA9}">
-      <dgm:prSet/>
-      <dgm:spPr/>
-      <dgm:t>
-        <a:bodyPr/>
-        <a:lstStyle/>
-        <a:p>
-          <a:endParaRPr lang="en-US"/>
-        </a:p>
-      </dgm:t>
-    </dgm:pt>
-    <dgm:pt modelId="{1931B42D-D4A8-4DD8-B9F8-A13ED12450B1}">
-      <dgm:prSet phldrT="[Text]"/>
-      <dgm:spPr/>
-      <dgm:t>
-        <a:bodyPr/>
-        <a:lstStyle/>
-        <a:p>
-          <a:r>
-            <a:rPr lang="en-US" dirty="0" smtClean="0"/>
-            <a:t>independence</a:t>
-          </a:r>
-          <a:endParaRPr lang="en-US" dirty="0"/>
-        </a:p>
-      </dgm:t>
-    </dgm:pt>
-    <dgm:pt modelId="{596E77FB-F786-4E77-A783-87E081325626}" type="parTrans" cxnId="{B54D10F7-85C7-4E7A-9F2D-C947B89EAE17}">
-      <dgm:prSet/>
-      <dgm:spPr/>
-      <dgm:t>
-        <a:bodyPr/>
-        <a:lstStyle/>
-        <a:p>
-          <a:endParaRPr lang="en-US"/>
-        </a:p>
-      </dgm:t>
-    </dgm:pt>
-    <dgm:pt modelId="{F5157164-D9ED-4CD4-913B-BD073641B52A}" type="sibTrans" cxnId="{B54D10F7-85C7-4E7A-9F2D-C947B89EAE17}">
-      <dgm:prSet/>
-      <dgm:spPr/>
-      <dgm:t>
-        <a:bodyPr/>
-        <a:lstStyle/>
-        <a:p>
-          <a:endParaRPr lang="en-US"/>
-        </a:p>
-      </dgm:t>
-    </dgm:pt>
-    <dgm:pt modelId="{C5716A3D-F799-416B-9E44-F935B9390DD5}">
-      <dgm:prSet phldrT="[Text]"/>
-      <dgm:spPr/>
-      <dgm:t>
-        <a:bodyPr/>
-        <a:lstStyle/>
-        <a:p>
-          <a:r>
-            <a:rPr lang="en-US" dirty="0" smtClean="0"/>
-            <a:t>Diagnostics and solutions</a:t>
-          </a:r>
-          <a:endParaRPr lang="en-US" dirty="0"/>
-        </a:p>
-      </dgm:t>
-    </dgm:pt>
-    <dgm:pt modelId="{155A95F4-E909-45C5-9B1F-078690918165}" type="parTrans" cxnId="{E304D7B4-BDCF-484F-9D64-913A186E924F}">
-      <dgm:prSet/>
-      <dgm:spPr/>
-      <dgm:t>
-        <a:bodyPr/>
-        <a:lstStyle/>
-        <a:p>
-          <a:endParaRPr lang="en-US"/>
-        </a:p>
-      </dgm:t>
-    </dgm:pt>
-    <dgm:pt modelId="{76983B5E-954B-4C31-B01E-3B17BF43F7F6}" type="sibTrans" cxnId="{E304D7B4-BDCF-484F-9D64-913A186E924F}">
+    <dgm:pt modelId="{2D45BE66-DBB4-4A48-8FE8-E04EC97F5890}" type="sibTrans" cxnId="{5958F67A-2312-488F-96B2-759F9CB29221}">
       <dgm:prSet/>
       <dgm:spPr/>
       <dgm:t>
@@ -2143,6 +2165,7 @@
     </dgm:pt>
   </dgm:ptLst>
   <dgm:cxnLst>
+    <dgm:cxn modelId="{5958F67A-2312-488F-96B2-759F9CB29221}" srcId="{989B89E7-4C20-4B35-9A45-23829166F101}" destId="{0F818D36-FCCA-4DC5-AA6C-B2DADC67EEB4}" srcOrd="2" destOrd="0" parTransId="{1784B3FA-4E9F-4032-AF1E-20F41C588576}" sibTransId="{2D45BE66-DBB4-4A48-8FE8-E04EC97F5890}"/>
     <dgm:cxn modelId="{53630368-9E9B-492B-9FAF-A79F85678D97}" srcId="{CA1B342D-39AA-41E0-AD3D-1B17F288E780}" destId="{031615EA-FA11-4107-8245-27C82B969141}" srcOrd="1" destOrd="0" parTransId="{1A2EAF4A-ACB9-408B-BB4F-FB0B590C50A4}" sibTransId="{1818ADAF-D8F6-4EE7-BE09-6A80370DD8CE}"/>
     <dgm:cxn modelId="{C7332C92-F558-4134-93E8-B314CFA707DC}" type="presOf" srcId="{989B89E7-4C20-4B35-9A45-23829166F101}" destId="{7199E636-3A55-440E-A5FD-F7D9BC437CDE}" srcOrd="0" destOrd="0" presId="urn:microsoft.com/office/officeart/2005/8/layout/process3"/>
     <dgm:cxn modelId="{0F609E90-3839-483A-82EB-C431532BE898}" srcId="{BB45E5C0-8E1A-4AF7-AECB-49EDF741BAB8}" destId="{CA1B342D-39AA-41E0-AD3D-1B17F288E780}" srcOrd="0" destOrd="0" parTransId="{E9482C38-A94F-48CA-A565-E4CB3BAE34EE}" sibTransId="{DF727156-C29C-4664-92ED-B0EE9980ADFA}"/>
@@ -2150,12 +2173,13 @@
     <dgm:cxn modelId="{7F0BCC39-E8D0-45DE-8DB8-947282C912FD}" type="presOf" srcId="{CA1B342D-39AA-41E0-AD3D-1B17F288E780}" destId="{EC762C95-E171-49CB-AAD4-76BC14E53260}" srcOrd="1" destOrd="0" presId="urn:microsoft.com/office/officeart/2005/8/layout/process3"/>
     <dgm:cxn modelId="{A5AB5F96-5B6F-44A7-84BF-9A57614415FC}" type="presOf" srcId="{989B89E7-4C20-4B35-9A45-23829166F101}" destId="{AC8CAA81-CBD4-4564-AAD4-A97FF7B53AC9}" srcOrd="1" destOrd="0" presId="urn:microsoft.com/office/officeart/2005/8/layout/process3"/>
     <dgm:cxn modelId="{C48DD496-47F6-4BB1-9D09-78C7CAFE3EA9}" srcId="{CA1B342D-39AA-41E0-AD3D-1B17F288E780}" destId="{C79F49F7-7A07-4BE5-B714-8D0EB38CA390}" srcOrd="3" destOrd="0" parTransId="{F9A7E902-D817-466C-AA9B-B5F134F4AF2A}" sibTransId="{7FC3F55F-5ED7-4726-9569-0121251308C8}"/>
-    <dgm:cxn modelId="{E304D7B4-BDCF-484F-9D64-913A186E924F}" srcId="{989B89E7-4C20-4B35-9A45-23829166F101}" destId="{C5716A3D-F799-416B-9E44-F935B9390DD5}" srcOrd="2" destOrd="0" parTransId="{155A95F4-E909-45C5-9B1F-078690918165}" sibTransId="{76983B5E-954B-4C31-B01E-3B17BF43F7F6}"/>
+    <dgm:cxn modelId="{E304D7B4-BDCF-484F-9D64-913A186E924F}" srcId="{989B89E7-4C20-4B35-9A45-23829166F101}" destId="{C5716A3D-F799-416B-9E44-F935B9390DD5}" srcOrd="3" destOrd="0" parTransId="{155A95F4-E909-45C5-9B1F-078690918165}" sibTransId="{76983B5E-954B-4C31-B01E-3B17BF43F7F6}"/>
     <dgm:cxn modelId="{231C8ACB-BC9D-41A9-9B12-8AB7074B0BD6}" type="presOf" srcId="{BB45E5C0-8E1A-4AF7-AECB-49EDF741BAB8}" destId="{693D3DDE-3950-4939-96FB-91FBC0C1029C}" srcOrd="0" destOrd="0" presId="urn:microsoft.com/office/officeart/2005/8/layout/process3"/>
     <dgm:cxn modelId="{D5553AFA-9852-4E73-8A23-14632DBD1C21}" type="presOf" srcId="{CA1B342D-39AA-41E0-AD3D-1B17F288E780}" destId="{F34F8D81-A194-40CB-B510-CE1174FA1224}" srcOrd="0" destOrd="0" presId="urn:microsoft.com/office/officeart/2005/8/layout/process3"/>
     <dgm:cxn modelId="{A1FC8F9A-7454-44C3-8C3A-38D1F985339B}" srcId="{CA1B342D-39AA-41E0-AD3D-1B17F288E780}" destId="{F9C41CFB-6014-46DB-B77E-A8B821D87A61}" srcOrd="0" destOrd="0" parTransId="{8F93B06D-5CAE-468E-9D4F-29F3807E8375}" sibTransId="{21F2012E-B761-43B3-94BF-19E1C925D993}"/>
     <dgm:cxn modelId="{4E0B5D0B-5CA7-49C3-A027-1A6F80E0B81F}" srcId="{BB45E5C0-8E1A-4AF7-AECB-49EDF741BAB8}" destId="{989B89E7-4C20-4B35-9A45-23829166F101}" srcOrd="1" destOrd="0" parTransId="{8514F357-7BF4-470D-9D23-A4E28B9A792B}" sibTransId="{7A1A0DDD-D7E7-4F2B-A9BE-50C601F5E8B1}"/>
-    <dgm:cxn modelId="{B54D10F7-85C7-4E7A-9F2D-C947B89EAE17}" srcId="{989B89E7-4C20-4B35-9A45-23829166F101}" destId="{1931B42D-D4A8-4DD8-B9F8-A13ED12450B1}" srcOrd="1" destOrd="0" parTransId="{596E77FB-F786-4E77-A783-87E081325626}" sibTransId="{F5157164-D9ED-4CD4-913B-BD073641B52A}"/>
+    <dgm:cxn modelId="{2F5496E8-5348-4183-A30C-651467C1C7C8}" type="presOf" srcId="{0F818D36-FCCA-4DC5-AA6C-B2DADC67EEB4}" destId="{AB972662-6B60-4671-AB70-0A8CA502C5FC}" srcOrd="0" destOrd="2" presId="urn:microsoft.com/office/officeart/2005/8/layout/process3"/>
+    <dgm:cxn modelId="{053A7ACB-2E39-405F-B090-757AD48AE176}" srcId="{989B89E7-4C20-4B35-9A45-23829166F101}" destId="{88DCB6DD-65EA-4D2C-B057-1EE122DB965B}" srcOrd="1" destOrd="0" parTransId="{50045229-C663-4CF5-A827-69438766CFF9}" sibTransId="{C46A6EB2-3ECE-4E30-B1E8-A692B43542DA}"/>
     <dgm:cxn modelId="{480E7354-5325-4FD8-9E33-CD3ABC70E674}" srcId="{989B89E7-4C20-4B35-9A45-23829166F101}" destId="{A62DF972-B1C0-430F-A221-160340C4D903}" srcOrd="0" destOrd="0" parTransId="{6705E72D-4301-4576-B177-E53DAE7C23D0}" sibTransId="{61ED29F4-2CF6-45E4-8687-4CB3512C400C}"/>
     <dgm:cxn modelId="{19270CB5-FE14-4445-98F3-DD87CAF8DEF4}" type="presOf" srcId="{C79F49F7-7A07-4BE5-B714-8D0EB38CA390}" destId="{20EF4D02-B786-4ED8-A7DB-6412BC03F26D}" srcOrd="0" destOrd="3" presId="urn:microsoft.com/office/officeart/2005/8/layout/process3"/>
     <dgm:cxn modelId="{A7282778-C176-4B83-AB4C-266B60478FD2}" type="presOf" srcId="{8F7F7E2A-F410-42C7-8B45-1307FCDA956A}" destId="{20EF4D02-B786-4ED8-A7DB-6412BC03F26D}" srcOrd="0" destOrd="2" presId="urn:microsoft.com/office/officeart/2005/8/layout/process3"/>
@@ -2163,8 +2187,8 @@
     <dgm:cxn modelId="{5C39334F-6C81-4B0C-9AD2-50A8F1C2B6F0}" type="presOf" srcId="{031615EA-FA11-4107-8245-27C82B969141}" destId="{20EF4D02-B786-4ED8-A7DB-6412BC03F26D}" srcOrd="0" destOrd="1" presId="urn:microsoft.com/office/officeart/2005/8/layout/process3"/>
     <dgm:cxn modelId="{BB5F2DF6-61B3-4263-8F1A-9FA6F5CDB07D}" type="presOf" srcId="{A62DF972-B1C0-430F-A221-160340C4D903}" destId="{AB972662-6B60-4671-AB70-0A8CA502C5FC}" srcOrd="0" destOrd="0" presId="urn:microsoft.com/office/officeart/2005/8/layout/process3"/>
     <dgm:cxn modelId="{64BF58F2-2885-490E-8E93-F796CED63BAA}" type="presOf" srcId="{DF727156-C29C-4664-92ED-B0EE9980ADFA}" destId="{2B964E1B-0CBF-4EA9-AE5E-D5BDC503EFD8}" srcOrd="0" destOrd="0" presId="urn:microsoft.com/office/officeart/2005/8/layout/process3"/>
-    <dgm:cxn modelId="{28785A34-2DFC-4E53-A653-BAA23F70AE63}" type="presOf" srcId="{1931B42D-D4A8-4DD8-B9F8-A13ED12450B1}" destId="{AB972662-6B60-4671-AB70-0A8CA502C5FC}" srcOrd="0" destOrd="1" presId="urn:microsoft.com/office/officeart/2005/8/layout/process3"/>
-    <dgm:cxn modelId="{826EA20E-1B18-4B61-8F12-577C80F181AC}" type="presOf" srcId="{C5716A3D-F799-416B-9E44-F935B9390DD5}" destId="{AB972662-6B60-4671-AB70-0A8CA502C5FC}" srcOrd="0" destOrd="2" presId="urn:microsoft.com/office/officeart/2005/8/layout/process3"/>
+    <dgm:cxn modelId="{9AC09C24-B7CE-4A9B-A6BC-DA73D76BF462}" type="presOf" srcId="{88DCB6DD-65EA-4D2C-B057-1EE122DB965B}" destId="{AB972662-6B60-4671-AB70-0A8CA502C5FC}" srcOrd="0" destOrd="1" presId="urn:microsoft.com/office/officeart/2005/8/layout/process3"/>
+    <dgm:cxn modelId="{826EA20E-1B18-4B61-8F12-577C80F181AC}" type="presOf" srcId="{C5716A3D-F799-416B-9E44-F935B9390DD5}" destId="{AB972662-6B60-4671-AB70-0A8CA502C5FC}" srcOrd="0" destOrd="3" presId="urn:microsoft.com/office/officeart/2005/8/layout/process3"/>
     <dgm:cxn modelId="{B82157B3-6C8B-4CD5-BF49-2782F216D90F}" type="presOf" srcId="{DF727156-C29C-4664-92ED-B0EE9980ADFA}" destId="{8140C2FF-2412-403B-A208-C12CCFA9CE32}" srcOrd="1" destOrd="0" presId="urn:microsoft.com/office/officeart/2005/8/layout/process3"/>
     <dgm:cxn modelId="{2678F7F8-D8E0-413B-88B8-F69B8D4F7CA7}" type="presParOf" srcId="{693D3DDE-3950-4939-96FB-91FBC0C1029C}" destId="{6BF2ADD8-F044-4A89-812D-1FF0AE16C854}" srcOrd="0" destOrd="0" presId="urn:microsoft.com/office/officeart/2005/8/layout/process3"/>
     <dgm:cxn modelId="{B4E90B3F-BAEC-45D9-A574-55765997FD7B}" type="presParOf" srcId="{6BF2ADD8-F044-4A89-812D-1FF0AE16C854}" destId="{F34F8D81-A194-40CB-B510-CE1174FA1224}" srcOrd="0" destOrd="0" presId="urn:microsoft.com/office/officeart/2005/8/layout/process3"/>
@@ -2395,7 +2419,15 @@
         <a:p>
           <a:r>
             <a:rPr lang="en-US" dirty="0" smtClean="0"/>
-            <a:t>Dichotomous variables</a:t>
+            <a:t>Two-sample </a:t>
+          </a:r>
+          <a:r>
+            <a:rPr lang="en-US" i="1" dirty="0" smtClean="0"/>
+            <a:t>t</a:t>
+          </a:r>
+          <a:r>
+            <a:rPr lang="en-US" dirty="0" smtClean="0"/>
+            <a:t>-tests</a:t>
           </a:r>
           <a:endParaRPr lang="en-US" dirty="0"/>
         </a:p>
@@ -2719,7 +2751,7 @@
         </a:p>
       </dgm:t>
     </dgm:pt>
-    <dgm:pt modelId="{118A30D2-DB98-456D-A717-3177ADB115C3}">
+    <dgm:pt modelId="{2C1DB68D-1CD3-457E-A1F3-0305DE7A07A5}">
       <dgm:prSet phldrT="[Text]"/>
       <dgm:spPr/>
       <dgm:t>
@@ -2728,19 +2760,33 @@
         <a:p>
           <a:r>
             <a:rPr lang="en-US" dirty="0" smtClean="0"/>
-            <a:t>Variance decomposition</a:t>
+            <a:t>Regression with dummy variables</a:t>
           </a:r>
           <a:endParaRPr lang="en-US" dirty="0"/>
         </a:p>
       </dgm:t>
     </dgm:pt>
-    <dgm:pt modelId="{D2808F8C-E897-4ED1-9A5B-3F4A65EF7C1B}" type="parTrans" cxnId="{F5FDB239-B57E-49CE-A4AD-A8F0F72BB69B}">
+    <dgm:pt modelId="{52CC5809-06B0-47D7-89F9-A8C9AF719675}" type="parTrans" cxnId="{E3D981AA-5607-49E5-8E6F-66F614EDC8F5}">
       <dgm:prSet/>
       <dgm:spPr/>
+      <dgm:t>
+        <a:bodyPr/>
+        <a:lstStyle/>
+        <a:p>
+          <a:endParaRPr lang="en-US"/>
+        </a:p>
+      </dgm:t>
     </dgm:pt>
-    <dgm:pt modelId="{49EB69C9-2403-4B4A-B772-622DB2DDD13D}" type="sibTrans" cxnId="{F5FDB239-B57E-49CE-A4AD-A8F0F72BB69B}">
+    <dgm:pt modelId="{DD2D5405-CBD2-44A5-9510-4E17BFFE44DB}" type="sibTrans" cxnId="{E3D981AA-5607-49E5-8E6F-66F614EDC8F5}">
       <dgm:prSet/>
       <dgm:spPr/>
+      <dgm:t>
+        <a:bodyPr/>
+        <a:lstStyle/>
+        <a:p>
+          <a:endParaRPr lang="en-US"/>
+        </a:p>
+      </dgm:t>
     </dgm:pt>
     <dgm:pt modelId="{693D3DDE-3950-4939-96FB-91FBC0C1029C}" type="pres">
       <dgm:prSet presAssocID="{BB45E5C0-8E1A-4AF7-AECB-49EDF741BAB8}" presName="linearFlow" presStyleCnt="0">
@@ -2946,27 +2992,27 @@
     </dgm:pt>
   </dgm:ptLst>
   <dgm:cxnLst>
-    <dgm:cxn modelId="{6F23BA0E-DB51-40B6-AC70-D7335B52CC08}" type="presOf" srcId="{36889FEF-DA84-4E2E-8231-6A598D9B9AA2}" destId="{AB972662-6B60-4671-AB70-0A8CA502C5FC}" srcOrd="0" destOrd="2" presId="urn:microsoft.com/office/officeart/2005/8/layout/process3"/>
+    <dgm:cxn modelId="{6F23BA0E-DB51-40B6-AC70-D7335B52CC08}" type="presOf" srcId="{36889FEF-DA84-4E2E-8231-6A598D9B9AA2}" destId="{AB972662-6B60-4671-AB70-0A8CA502C5FC}" srcOrd="0" destOrd="3" presId="urn:microsoft.com/office/officeart/2005/8/layout/process3"/>
     <dgm:cxn modelId="{7132BC34-D2CF-4ABE-A64E-7D87E9BA6191}" srcId="{E4A67761-7AAD-474E-9FA5-542EDFE86231}" destId="{16689244-5CA6-498F-8294-69696BD8C57D}" srcOrd="3" destOrd="0" parTransId="{6E60D6D7-75D5-4A22-B8DD-A535AF6863A6}" sibTransId="{D4BBD08E-C430-4A5D-B8D8-F5ED76D4B111}"/>
     <dgm:cxn modelId="{0F609E90-3839-483A-82EB-C431532BE898}" srcId="{BB45E5C0-8E1A-4AF7-AECB-49EDF741BAB8}" destId="{CA1B342D-39AA-41E0-AD3D-1B17F288E780}" srcOrd="0" destOrd="0" parTransId="{E9482C38-A94F-48CA-A565-E4CB3BAE34EE}" sibTransId="{DF727156-C29C-4664-92ED-B0EE9980ADFA}"/>
     <dgm:cxn modelId="{6CAB9827-B505-4980-A47E-31E2D2F5665D}" type="presOf" srcId="{16689244-5CA6-498F-8294-69696BD8C57D}" destId="{37A6D49E-44BC-48C2-AFD6-0270251A8634}" srcOrd="0" destOrd="3" presId="urn:microsoft.com/office/officeart/2005/8/layout/process3"/>
-    <dgm:cxn modelId="{F04CC524-F74A-4D0C-BC77-1A9B2547989A}" srcId="{989B89E7-4C20-4B35-9A45-23829166F101}" destId="{8D14978D-DBB9-4E92-8AFD-363EC4082539}" srcOrd="3" destOrd="0" parTransId="{511BAE3A-E333-442A-BD6E-27EFE61D7C01}" sibTransId="{DF0E109E-CE68-4595-99C1-0593A066EA81}"/>
-    <dgm:cxn modelId="{826EA20E-1B18-4B61-8F12-577C80F181AC}" type="presOf" srcId="{C5716A3D-F799-416B-9E44-F935B9390DD5}" destId="{AB972662-6B60-4671-AB70-0A8CA502C5FC}" srcOrd="0" destOrd="1" presId="urn:microsoft.com/office/officeart/2005/8/layout/process3"/>
+    <dgm:cxn modelId="{F04CC524-F74A-4D0C-BC77-1A9B2547989A}" srcId="{989B89E7-4C20-4B35-9A45-23829166F101}" destId="{8D14978D-DBB9-4E92-8AFD-363EC4082539}" srcOrd="4" destOrd="0" parTransId="{511BAE3A-E333-442A-BD6E-27EFE61D7C01}" sibTransId="{DF0E109E-CE68-4595-99C1-0593A066EA81}"/>
+    <dgm:cxn modelId="{81BB5FA1-361A-43BD-BB1E-24C96C1958C0}" type="presOf" srcId="{2C1DB68D-1CD3-457E-A1F3-0305DE7A07A5}" destId="{AB972662-6B60-4671-AB70-0A8CA502C5FC}" srcOrd="0" destOrd="1" presId="urn:microsoft.com/office/officeart/2005/8/layout/process3"/>
+    <dgm:cxn modelId="{E3D981AA-5607-49E5-8E6F-66F614EDC8F5}" srcId="{989B89E7-4C20-4B35-9A45-23829166F101}" destId="{2C1DB68D-1CD3-457E-A1F3-0305DE7A07A5}" srcOrd="1" destOrd="0" parTransId="{52CC5809-06B0-47D7-89F9-A8C9AF719675}" sibTransId="{DD2D5405-CBD2-44A5-9510-4E17BFFE44DB}"/>
+    <dgm:cxn modelId="{826EA20E-1B18-4B61-8F12-577C80F181AC}" type="presOf" srcId="{C5716A3D-F799-416B-9E44-F935B9390DD5}" destId="{AB972662-6B60-4671-AB70-0A8CA502C5FC}" srcOrd="0" destOrd="2" presId="urn:microsoft.com/office/officeart/2005/8/layout/process3"/>
     <dgm:cxn modelId="{435A6AAC-CC53-4B7A-AC7F-9A3F4CF88D44}" type="presOf" srcId="{E4A67761-7AAD-474E-9FA5-542EDFE86231}" destId="{C7F2155F-9596-43DE-B9FB-433C411F1C8C}" srcOrd="0" destOrd="0" presId="urn:microsoft.com/office/officeart/2005/8/layout/process3"/>
     <dgm:cxn modelId="{DBA1F316-7412-4277-824F-982CA91227E8}" type="presOf" srcId="{7A1A0DDD-D7E7-4F2B-A9BE-50C601F5E8B1}" destId="{F2B7D291-F96C-48F8-9E41-006A80918726}" srcOrd="0" destOrd="0" presId="urn:microsoft.com/office/officeart/2005/8/layout/process3"/>
-    <dgm:cxn modelId="{B4EB8BD7-D990-43CE-AE18-EDE8509F5513}" srcId="{989B89E7-4C20-4B35-9A45-23829166F101}" destId="{36889FEF-DA84-4E2E-8231-6A598D9B9AA2}" srcOrd="2" destOrd="0" parTransId="{7FD594C4-07D5-466A-A6B8-7F69E8567E44}" sibTransId="{DFD86833-CD0B-4623-90D4-FE5E887C8CE3}"/>
+    <dgm:cxn modelId="{B4EB8BD7-D990-43CE-AE18-EDE8509F5513}" srcId="{989B89E7-4C20-4B35-9A45-23829166F101}" destId="{36889FEF-DA84-4E2E-8231-6A598D9B9AA2}" srcOrd="3" destOrd="0" parTransId="{7FD594C4-07D5-466A-A6B8-7F69E8567E44}" sibTransId="{DFD86833-CD0B-4623-90D4-FE5E887C8CE3}"/>
     <dgm:cxn modelId="{E4B74C54-8F44-4697-8D95-84708D36DFC8}" type="presOf" srcId="{8CAA68B0-8D69-4CDE-A387-8A615A47687D}" destId="{37A6D49E-44BC-48C2-AFD6-0270251A8634}" srcOrd="0" destOrd="1" presId="urn:microsoft.com/office/officeart/2005/8/layout/process3"/>
     <dgm:cxn modelId="{231C8ACB-BC9D-41A9-9B12-8AB7074B0BD6}" type="presOf" srcId="{BB45E5C0-8E1A-4AF7-AECB-49EDF741BAB8}" destId="{693D3DDE-3950-4939-96FB-91FBC0C1029C}" srcOrd="0" destOrd="0" presId="urn:microsoft.com/office/officeart/2005/8/layout/process3"/>
     <dgm:cxn modelId="{D5553AFA-9852-4E73-8A23-14632DBD1C21}" type="presOf" srcId="{CA1B342D-39AA-41E0-AD3D-1B17F288E780}" destId="{F34F8D81-A194-40CB-B510-CE1174FA1224}" srcOrd="0" destOrd="0" presId="urn:microsoft.com/office/officeart/2005/8/layout/process3"/>
     <dgm:cxn modelId="{53630368-9E9B-492B-9FAF-A79F85678D97}" srcId="{CA1B342D-39AA-41E0-AD3D-1B17F288E780}" destId="{031615EA-FA11-4107-8245-27C82B969141}" srcOrd="1" destOrd="0" parTransId="{1A2EAF4A-ACB9-408B-BB4F-FB0B590C50A4}" sibTransId="{1818ADAF-D8F6-4EE7-BE09-6A80370DD8CE}"/>
     <dgm:cxn modelId="{B54D10F7-85C7-4E7A-9F2D-C947B89EAE17}" srcId="{989B89E7-4C20-4B35-9A45-23829166F101}" destId="{1931B42D-D4A8-4DD8-B9F8-A13ED12450B1}" srcOrd="0" destOrd="0" parTransId="{596E77FB-F786-4E77-A783-87E081325626}" sibTransId="{F5157164-D9ED-4CD4-913B-BD073641B52A}"/>
-    <dgm:cxn modelId="{E304D7B4-BDCF-484F-9D64-913A186E924F}" srcId="{989B89E7-4C20-4B35-9A45-23829166F101}" destId="{C5716A3D-F799-416B-9E44-F935B9390DD5}" srcOrd="1" destOrd="0" parTransId="{155A95F4-E909-45C5-9B1F-078690918165}" sibTransId="{76983B5E-954B-4C31-B01E-3B17BF43F7F6}"/>
+    <dgm:cxn modelId="{E304D7B4-BDCF-484F-9D64-913A186E924F}" srcId="{989B89E7-4C20-4B35-9A45-23829166F101}" destId="{C5716A3D-F799-416B-9E44-F935B9390DD5}" srcOrd="2" destOrd="0" parTransId="{155A95F4-E909-45C5-9B1F-078690918165}" sibTransId="{76983B5E-954B-4C31-B01E-3B17BF43F7F6}"/>
     <dgm:cxn modelId="{E8A25C5A-D0DE-44EE-B45B-5B6425798C7C}" srcId="{E4A67761-7AAD-474E-9FA5-542EDFE86231}" destId="{A6F1D72E-1EC7-4A2F-A7AC-9B4FE891FA60}" srcOrd="2" destOrd="0" parTransId="{F46A70B3-F452-4DBE-82DF-B97F3B6C9DF0}" sibTransId="{81FB235B-AB81-40FD-B097-5F0C004D220B}"/>
     <dgm:cxn modelId="{AAD96A52-5CFB-499D-89E2-6EBBA12119E7}" srcId="{E4A67761-7AAD-474E-9FA5-542EDFE86231}" destId="{8CAA68B0-8D69-4CDE-A387-8A615A47687D}" srcOrd="1" destOrd="0" parTransId="{DC2B7493-4C5E-4A8A-AD57-02FBFF060D53}" sibTransId="{AC5079F0-9103-4DAC-A9AA-B0AFF5EDE675}"/>
     <dgm:cxn modelId="{F3DC8FD5-AFDE-4603-A0C0-06DB5E050F70}" type="presOf" srcId="{E4A67761-7AAD-474E-9FA5-542EDFE86231}" destId="{A81430CF-36AA-475C-BD35-A3F5D9A08FA4}" srcOrd="1" destOrd="0" presId="urn:microsoft.com/office/officeart/2005/8/layout/process3"/>
     <dgm:cxn modelId="{C7332C92-F558-4134-93E8-B314CFA707DC}" type="presOf" srcId="{989B89E7-4C20-4B35-9A45-23829166F101}" destId="{7199E636-3A55-440E-A5FD-F7D9BC437CDE}" srcOrd="0" destOrd="0" presId="urn:microsoft.com/office/officeart/2005/8/layout/process3"/>
-    <dgm:cxn modelId="{43C4AF65-DAA5-41D6-A9BD-EE544028EAB1}" type="presOf" srcId="{118A30D2-DB98-456D-A717-3177ADB115C3}" destId="{20EF4D02-B786-4ED8-A7DB-6412BC03F26D}" srcOrd="0" destOrd="2" presId="urn:microsoft.com/office/officeart/2005/8/layout/process3"/>
-    <dgm:cxn modelId="{F5FDB239-B57E-49CE-A4AD-A8F0F72BB69B}" srcId="{CA1B342D-39AA-41E0-AD3D-1B17F288E780}" destId="{118A30D2-DB98-456D-A717-3177ADB115C3}" srcOrd="2" destOrd="0" parTransId="{D2808F8C-E897-4ED1-9A5B-3F4A65EF7C1B}" sibTransId="{49EB69C9-2403-4B4A-B772-622DB2DDD13D}"/>
     <dgm:cxn modelId="{3FF1FB37-F4BA-426B-9C5A-DF7F1BD80574}" srcId="{BB45E5C0-8E1A-4AF7-AECB-49EDF741BAB8}" destId="{E4A67761-7AAD-474E-9FA5-542EDFE86231}" srcOrd="2" destOrd="0" parTransId="{043AA81C-4E84-4D0F-96B2-509231B43887}" sibTransId="{5439D33F-8DC9-45E6-B176-CFC7BFC61EA7}"/>
     <dgm:cxn modelId="{F450371F-5C7A-4D57-A911-65DE105968A0}" type="presOf" srcId="{7A38BD5E-3DE3-4A82-9233-27F336477B8C}" destId="{37A6D49E-44BC-48C2-AFD6-0270251A8634}" srcOrd="0" destOrd="0" presId="urn:microsoft.com/office/officeart/2005/8/layout/process3"/>
     <dgm:cxn modelId="{64BF58F2-2885-490E-8E93-F796CED63BAA}" type="presOf" srcId="{DF727156-C29C-4664-92ED-B0EE9980ADFA}" destId="{2B964E1B-0CBF-4EA9-AE5E-D5BDC503EFD8}" srcOrd="0" destOrd="0" presId="urn:microsoft.com/office/officeart/2005/8/layout/process3"/>
@@ -2974,13 +3020,13 @@
     <dgm:cxn modelId="{DAE0813B-3116-4981-B0DC-B8031892964D}" type="presOf" srcId="{F9C41CFB-6014-46DB-B77E-A8B821D87A61}" destId="{20EF4D02-B786-4ED8-A7DB-6412BC03F26D}" srcOrd="0" destOrd="0" presId="urn:microsoft.com/office/officeart/2005/8/layout/process3"/>
     <dgm:cxn modelId="{7F0BCC39-E8D0-45DE-8DB8-947282C912FD}" type="presOf" srcId="{CA1B342D-39AA-41E0-AD3D-1B17F288E780}" destId="{EC762C95-E171-49CB-AAD4-76BC14E53260}" srcOrd="1" destOrd="0" presId="urn:microsoft.com/office/officeart/2005/8/layout/process3"/>
     <dgm:cxn modelId="{5C39334F-6C81-4B0C-9AD2-50A8F1C2B6F0}" type="presOf" srcId="{031615EA-FA11-4107-8245-27C82B969141}" destId="{20EF4D02-B786-4ED8-A7DB-6412BC03F26D}" srcOrd="0" destOrd="1" presId="urn:microsoft.com/office/officeart/2005/8/layout/process3"/>
-    <dgm:cxn modelId="{C48DD496-47F6-4BB1-9D09-78C7CAFE3EA9}" srcId="{CA1B342D-39AA-41E0-AD3D-1B17F288E780}" destId="{C79F49F7-7A07-4BE5-B714-8D0EB38CA390}" srcOrd="3" destOrd="0" parTransId="{F9A7E902-D817-466C-AA9B-B5F134F4AF2A}" sibTransId="{7FC3F55F-5ED7-4726-9569-0121251308C8}"/>
+    <dgm:cxn modelId="{C48DD496-47F6-4BB1-9D09-78C7CAFE3EA9}" srcId="{CA1B342D-39AA-41E0-AD3D-1B17F288E780}" destId="{C79F49F7-7A07-4BE5-B714-8D0EB38CA390}" srcOrd="2" destOrd="0" parTransId="{F9A7E902-D817-466C-AA9B-B5F134F4AF2A}" sibTransId="{7FC3F55F-5ED7-4726-9569-0121251308C8}"/>
     <dgm:cxn modelId="{7CE5D1D8-5DC0-471E-A8C8-81FB385494BF}" srcId="{E4A67761-7AAD-474E-9FA5-542EDFE86231}" destId="{7A38BD5E-3DE3-4A82-9233-27F336477B8C}" srcOrd="0" destOrd="0" parTransId="{FD2837F2-2192-4C63-8C46-D80C616B55FB}" sibTransId="{7BB00B53-DF1A-44AC-A65A-78FFEF5AD7D9}"/>
     <dgm:cxn modelId="{65940BE5-E099-41A7-890F-028A6738CF15}" type="presOf" srcId="{7A1A0DDD-D7E7-4F2B-A9BE-50C601F5E8B1}" destId="{372837B6-F05E-43B6-A210-80F3508B269D}" srcOrd="1" destOrd="0" presId="urn:microsoft.com/office/officeart/2005/8/layout/process3"/>
     <dgm:cxn modelId="{A5AB5F96-5B6F-44A7-84BF-9A57614415FC}" type="presOf" srcId="{989B89E7-4C20-4B35-9A45-23829166F101}" destId="{AC8CAA81-CBD4-4564-AAD4-A97FF7B53AC9}" srcOrd="1" destOrd="0" presId="urn:microsoft.com/office/officeart/2005/8/layout/process3"/>
     <dgm:cxn modelId="{4E0B5D0B-5CA7-49C3-A027-1A6F80E0B81F}" srcId="{BB45E5C0-8E1A-4AF7-AECB-49EDF741BAB8}" destId="{989B89E7-4C20-4B35-9A45-23829166F101}" srcOrd="1" destOrd="0" parTransId="{8514F357-7BF4-470D-9D23-A4E28B9A792B}" sibTransId="{7A1A0DDD-D7E7-4F2B-A9BE-50C601F5E8B1}"/>
-    <dgm:cxn modelId="{925B0228-B063-4F43-9208-2821D85D2CBB}" type="presOf" srcId="{8D14978D-DBB9-4E92-8AFD-363EC4082539}" destId="{AB972662-6B60-4671-AB70-0A8CA502C5FC}" srcOrd="0" destOrd="3" presId="urn:microsoft.com/office/officeart/2005/8/layout/process3"/>
-    <dgm:cxn modelId="{19270CB5-FE14-4445-98F3-DD87CAF8DEF4}" type="presOf" srcId="{C79F49F7-7A07-4BE5-B714-8D0EB38CA390}" destId="{20EF4D02-B786-4ED8-A7DB-6412BC03F26D}" srcOrd="0" destOrd="3" presId="urn:microsoft.com/office/officeart/2005/8/layout/process3"/>
+    <dgm:cxn modelId="{925B0228-B063-4F43-9208-2821D85D2CBB}" type="presOf" srcId="{8D14978D-DBB9-4E92-8AFD-363EC4082539}" destId="{AB972662-6B60-4671-AB70-0A8CA502C5FC}" srcOrd="0" destOrd="4" presId="urn:microsoft.com/office/officeart/2005/8/layout/process3"/>
+    <dgm:cxn modelId="{19270CB5-FE14-4445-98F3-DD87CAF8DEF4}" type="presOf" srcId="{C79F49F7-7A07-4BE5-B714-8D0EB38CA390}" destId="{20EF4D02-B786-4ED8-A7DB-6412BC03F26D}" srcOrd="0" destOrd="2" presId="urn:microsoft.com/office/officeart/2005/8/layout/process3"/>
     <dgm:cxn modelId="{B82157B3-6C8B-4CD5-BF49-2782F216D90F}" type="presOf" srcId="{DF727156-C29C-4664-92ED-B0EE9980ADFA}" destId="{8140C2FF-2412-403B-A208-C12CCFA9CE32}" srcOrd="1" destOrd="0" presId="urn:microsoft.com/office/officeart/2005/8/layout/process3"/>
     <dgm:cxn modelId="{A1FC8F9A-7454-44C3-8C3A-38D1F985339B}" srcId="{CA1B342D-39AA-41E0-AD3D-1B17F288E780}" destId="{F9C41CFB-6014-46DB-B77E-A8B821D87A61}" srcOrd="0" destOrd="0" parTransId="{8F93B06D-5CAE-468E-9D4F-29F3807E8375}" sibTransId="{21F2012E-B761-43B3-94BF-19E1C925D993}"/>
     <dgm:cxn modelId="{28785A34-2DFC-4E53-A653-BAA23F70AE63}" type="presOf" srcId="{1931B42D-D4A8-4DD8-B9F8-A13ED12450B1}" destId="{AB972662-6B60-4671-AB70-0A8CA502C5FC}" srcOrd="0" destOrd="0" presId="urn:microsoft.com/office/officeart/2005/8/layout/process3"/>
@@ -3026,7 +3072,7 @@
       </dsp:nvSpPr>
       <dsp:spPr>
         <a:xfrm>
-          <a:off x="1942" y="145951"/>
+          <a:off x="1942" y="56851"/>
           <a:ext cx="1667131" cy="940044"/>
         </a:xfrm>
         <a:prstGeom prst="roundRect">
@@ -3035,10 +3081,7 @@
           </a:avLst>
         </a:prstGeom>
         <a:solidFill>
-          <a:schemeClr val="accent4">
-            <a:lumMod val="60000"/>
-            <a:lumOff val="40000"/>
-          </a:schemeClr>
+          <a:schemeClr val="accent4"/>
         </a:solidFill>
         <a:ln w="12700" cap="flat" cmpd="sng" algn="ctr">
           <a:solidFill>
@@ -3093,7 +3136,7 @@
         </a:p>
       </dsp:txBody>
       <dsp:txXfrm>
-        <a:off x="1942" y="145951"/>
+        <a:off x="1942" y="56851"/>
         <a:ext cx="1667131" cy="626696"/>
       </dsp:txXfrm>
     </dsp:sp>
@@ -3104,8 +3147,8 @@
       </dsp:nvSpPr>
       <dsp:spPr>
         <a:xfrm>
-          <a:off x="343402" y="772648"/>
-          <a:ext cx="1667131" cy="1900800"/>
+          <a:off x="343402" y="683548"/>
+          <a:ext cx="1667131" cy="2079000"/>
         </a:xfrm>
         <a:prstGeom prst="roundRect">
           <a:avLst>
@@ -3123,10 +3166,7 @@
         </a:solidFill>
         <a:ln w="12700" cap="flat" cmpd="sng" algn="ctr">
           <a:solidFill>
-            <a:schemeClr val="accent4">
-              <a:lumMod val="60000"/>
-              <a:lumOff val="40000"/>
-            </a:schemeClr>
+            <a:schemeClr val="accent4"/>
           </a:solidFill>
           <a:prstDash val="solid"/>
           <a:miter lim="800000"/>
@@ -3222,14 +3262,14 @@
           </a:pPr>
           <a:r>
             <a:rPr lang="en-US" sz="1200" kern="1200" dirty="0" smtClean="0"/>
-            <a:t>Correlation and causality</a:t>
+            <a:t>Correlation…and causality</a:t>
           </a:r>
           <a:endParaRPr lang="en-US" sz="1200" kern="1200" dirty="0"/>
         </a:p>
       </dsp:txBody>
       <dsp:txXfrm>
-        <a:off x="392231" y="821477"/>
-        <a:ext cx="1569473" cy="1803142"/>
+        <a:off x="392231" y="732377"/>
+        <a:ext cx="1569473" cy="1981342"/>
       </dsp:txXfrm>
     </dsp:sp>
     <dsp:sp modelId="{2B964E1B-0CBF-4EA9-AE5E-D5BDC503EFD8}">
@@ -3239,7 +3279,7 @@
       </dsp:nvSpPr>
       <dsp:spPr>
         <a:xfrm>
-          <a:off x="1921804" y="251766"/>
+          <a:off x="1921804" y="162666"/>
           <a:ext cx="535790" cy="415067"/>
         </a:xfrm>
         <a:prstGeom prst="rightArrow">
@@ -3291,7 +3331,7 @@
         </a:p>
       </dsp:txBody>
       <dsp:txXfrm>
-        <a:off x="1921804" y="334779"/>
+        <a:off x="1921804" y="245679"/>
         <a:ext cx="411270" cy="249041"/>
       </dsp:txXfrm>
     </dsp:sp>
@@ -3302,7 +3342,7 @@
       </dsp:nvSpPr>
       <dsp:spPr>
         <a:xfrm>
-          <a:off x="2679998" y="145951"/>
+          <a:off x="2679998" y="56851"/>
           <a:ext cx="1667131" cy="940044"/>
         </a:xfrm>
         <a:prstGeom prst="roundRect">
@@ -3371,7 +3411,7 @@
         </a:p>
       </dsp:txBody>
       <dsp:txXfrm>
-        <a:off x="2679998" y="145951"/>
+        <a:off x="2679998" y="56851"/>
         <a:ext cx="1667131" cy="626696"/>
       </dsp:txXfrm>
     </dsp:sp>
@@ -3382,8 +3422,8 @@
       </dsp:nvSpPr>
       <dsp:spPr>
         <a:xfrm>
-          <a:off x="3021459" y="772648"/>
-          <a:ext cx="1667131" cy="1900800"/>
+          <a:off x="3021459" y="683548"/>
+          <a:ext cx="1667131" cy="2079000"/>
         </a:xfrm>
         <a:prstGeom prst="roundRect">
           <a:avLst>
@@ -3445,15 +3485,7 @@
           </a:pPr>
           <a:r>
             <a:rPr lang="en-US" sz="1200" kern="1200" dirty="0" smtClean="0"/>
-            <a:t>Normality, homoscedasticity, linearity and Residuals: raw, </a:t>
-          </a:r>
-          <a:r>
-            <a:rPr lang="en-US" sz="1200" kern="1200" dirty="0" err="1" smtClean="0"/>
-            <a:t>studentized</a:t>
-          </a:r>
-          <a:r>
-            <a:rPr lang="en-US" sz="1200" kern="1200" dirty="0" smtClean="0"/>
-            <a:t> &amp; standardized</a:t>
+            <a:t>Measurement error, normality, linearity, homoscedasticity, and independence</a:t>
           </a:r>
           <a:endParaRPr lang="en-US" sz="1200" kern="1200" dirty="0"/>
         </a:p>
@@ -3472,7 +3504,34 @@
           </a:pPr>
           <a:r>
             <a:rPr lang="en-US" sz="1200" kern="1200" dirty="0" smtClean="0"/>
-            <a:t>independence</a:t>
+            <a:t>Residuals: raw, </a:t>
+          </a:r>
+          <a:r>
+            <a:rPr lang="en-US" sz="1200" kern="1200" dirty="0" err="1" smtClean="0"/>
+            <a:t>studentized</a:t>
+          </a:r>
+          <a:r>
+            <a:rPr lang="en-US" sz="1200" kern="1200" dirty="0" smtClean="0"/>
+            <a:t> &amp; standardized</a:t>
+          </a:r>
+          <a:endParaRPr lang="en-US" sz="1200" kern="1200" dirty="0"/>
+        </a:p>
+        <a:p>
+          <a:pPr marL="114300" lvl="1" indent="-114300" algn="l" defTabSz="533400">
+            <a:lnSpc>
+              <a:spcPct val="90000"/>
+            </a:lnSpc>
+            <a:spcBef>
+              <a:spcPct val="0"/>
+            </a:spcBef>
+            <a:spcAft>
+              <a:spcPct val="15000"/>
+            </a:spcAft>
+            <a:buChar char="••"/>
+          </a:pPr>
+          <a:r>
+            <a:rPr lang="en-US" sz="1200" kern="1200" dirty="0" smtClean="0"/>
+            <a:t>Outliers</a:t>
           </a:r>
           <a:endParaRPr lang="en-US" sz="1200" kern="1200" dirty="0"/>
         </a:p>
@@ -3497,8 +3556,8 @@
         </a:p>
       </dsp:txBody>
       <dsp:txXfrm>
-        <a:off x="3070288" y="821477"/>
-        <a:ext cx="1569473" cy="1803142"/>
+        <a:off x="3070288" y="732377"/>
+        <a:ext cx="1569473" cy="1981342"/>
       </dsp:txXfrm>
     </dsp:sp>
   </dsp:spTree>
@@ -3520,7 +3579,7 @@
       </dsp:nvSpPr>
       <dsp:spPr>
         <a:xfrm>
-          <a:off x="3265" y="385130"/>
+          <a:off x="3265" y="367580"/>
           <a:ext cx="1484829" cy="880607"/>
         </a:xfrm>
         <a:prstGeom prst="roundRect">
@@ -3589,7 +3648,7 @@
         </a:p>
       </dsp:txBody>
       <dsp:txXfrm>
-        <a:off x="3265" y="385130"/>
+        <a:off x="3265" y="367580"/>
         <a:ext cx="1484829" cy="587071"/>
       </dsp:txXfrm>
     </dsp:sp>
@@ -3600,8 +3659,8 @@
       </dsp:nvSpPr>
       <dsp:spPr>
         <a:xfrm>
-          <a:off x="307387" y="972202"/>
-          <a:ext cx="1484829" cy="2012400"/>
+          <a:off x="307387" y="954652"/>
+          <a:ext cx="1484829" cy="2047500"/>
         </a:xfrm>
         <a:prstGeom prst="roundRect">
           <a:avLst>
@@ -3701,33 +3760,14 @@
           </a:pPr>
           <a:r>
             <a:rPr lang="en-US" sz="1300" kern="1200" dirty="0" smtClean="0"/>
-            <a:t>Variance decomposition</a:t>
-          </a:r>
-          <a:endParaRPr lang="en-US" sz="1300" kern="1200" dirty="0"/>
-        </a:p>
-        <a:p>
-          <a:pPr marL="114300" lvl="1" indent="-114300" algn="l" defTabSz="577850">
-            <a:lnSpc>
-              <a:spcPct val="90000"/>
-            </a:lnSpc>
-            <a:spcBef>
-              <a:spcPct val="0"/>
-            </a:spcBef>
-            <a:spcAft>
-              <a:spcPct val="15000"/>
-            </a:spcAft>
-            <a:buChar char="••"/>
-          </a:pPr>
-          <a:r>
-            <a:rPr lang="en-US" sz="1300" kern="1200" dirty="0" smtClean="0"/>
             <a:t>Multi-collinearity</a:t>
           </a:r>
           <a:endParaRPr lang="en-US" sz="1300" kern="1200" dirty="0"/>
         </a:p>
       </dsp:txBody>
       <dsp:txXfrm>
-        <a:off x="350876" y="1015691"/>
-        <a:ext cx="1397851" cy="1925422"/>
+        <a:off x="350876" y="998141"/>
+        <a:ext cx="1397851" cy="1960522"/>
       </dsp:txXfrm>
     </dsp:sp>
     <dsp:sp modelId="{2B964E1B-0CBF-4EA9-AE5E-D5BDC503EFD8}">
@@ -3737,7 +3777,7 @@
       </dsp:nvSpPr>
       <dsp:spPr>
         <a:xfrm>
-          <a:off x="1713189" y="493826"/>
+          <a:off x="1713189" y="476276"/>
           <a:ext cx="477200" cy="369679"/>
         </a:xfrm>
         <a:prstGeom prst="rightArrow">
@@ -3795,7 +3835,7 @@
         </a:p>
       </dsp:txBody>
       <dsp:txXfrm>
-        <a:off x="1713189" y="567762"/>
+        <a:off x="1713189" y="550212"/>
         <a:ext cx="366296" cy="221807"/>
       </dsp:txXfrm>
     </dsp:sp>
@@ -3806,7 +3846,7 @@
       </dsp:nvSpPr>
       <dsp:spPr>
         <a:xfrm>
-          <a:off x="2388474" y="385130"/>
+          <a:off x="2388474" y="367580"/>
           <a:ext cx="1484829" cy="880607"/>
         </a:xfrm>
         <a:prstGeom prst="roundRect">
@@ -3875,7 +3915,7 @@
         </a:p>
       </dsp:txBody>
       <dsp:txXfrm>
-        <a:off x="2388474" y="385130"/>
+        <a:off x="2388474" y="367580"/>
         <a:ext cx="1484829" cy="587071"/>
       </dsp:txXfrm>
     </dsp:sp>
@@ -3886,8 +3926,8 @@
       </dsp:nvSpPr>
       <dsp:spPr>
         <a:xfrm>
-          <a:off x="2692595" y="972202"/>
-          <a:ext cx="1484829" cy="2012400"/>
+          <a:off x="2692595" y="954652"/>
+          <a:ext cx="1484829" cy="2047500"/>
         </a:xfrm>
         <a:prstGeom prst="roundRect">
           <a:avLst>
@@ -3949,7 +3989,34 @@
           </a:pPr>
           <a:r>
             <a:rPr lang="en-US" sz="1300" kern="1200" dirty="0" smtClean="0"/>
-            <a:t>Dichotomous variables</a:t>
+            <a:t>Two-sample </a:t>
+          </a:r>
+          <a:r>
+            <a:rPr lang="en-US" sz="1300" i="1" kern="1200" dirty="0" smtClean="0"/>
+            <a:t>t</a:t>
+          </a:r>
+          <a:r>
+            <a:rPr lang="en-US" sz="1300" kern="1200" dirty="0" smtClean="0"/>
+            <a:t>-tests</a:t>
+          </a:r>
+          <a:endParaRPr lang="en-US" sz="1300" kern="1200" dirty="0"/>
+        </a:p>
+        <a:p>
+          <a:pPr marL="114300" lvl="1" indent="-114300" algn="l" defTabSz="577850">
+            <a:lnSpc>
+              <a:spcPct val="90000"/>
+            </a:lnSpc>
+            <a:spcBef>
+              <a:spcPct val="0"/>
+            </a:spcBef>
+            <a:spcAft>
+              <a:spcPct val="15000"/>
+            </a:spcAft>
+            <a:buChar char="••"/>
+          </a:pPr>
+          <a:r>
+            <a:rPr lang="en-US" sz="1300" kern="1200" dirty="0" smtClean="0"/>
+            <a:t>Regression with dummy variables</a:t>
           </a:r>
           <a:endParaRPr lang="en-US" sz="1300" kern="1200" dirty="0"/>
         </a:p>
@@ -4012,8 +4079,8 @@
         </a:p>
       </dsp:txBody>
       <dsp:txXfrm>
-        <a:off x="2736084" y="1015691"/>
-        <a:ext cx="1397851" cy="1925422"/>
+        <a:off x="2736084" y="998141"/>
+        <a:ext cx="1397851" cy="1960522"/>
       </dsp:txXfrm>
     </dsp:sp>
     <dsp:sp modelId="{F2B7D291-F96C-48F8-9E41-006A80918726}">
@@ -4023,7 +4090,7 @@
       </dsp:nvSpPr>
       <dsp:spPr>
         <a:xfrm>
-          <a:off x="4098398" y="493826"/>
+          <a:off x="4098398" y="476276"/>
           <a:ext cx="477200" cy="369679"/>
         </a:xfrm>
         <a:prstGeom prst="rightArrow">
@@ -4081,7 +4148,7 @@
         </a:p>
       </dsp:txBody>
       <dsp:txXfrm>
-        <a:off x="4098398" y="567762"/>
+        <a:off x="4098398" y="550212"/>
         <a:ext cx="366296" cy="221807"/>
       </dsp:txXfrm>
     </dsp:sp>
@@ -4092,7 +4159,7 @@
       </dsp:nvSpPr>
       <dsp:spPr>
         <a:xfrm>
-          <a:off x="4773682" y="385130"/>
+          <a:off x="4773682" y="367580"/>
           <a:ext cx="1484829" cy="880607"/>
         </a:xfrm>
         <a:prstGeom prst="roundRect">
@@ -4161,7 +4228,7 @@
         </a:p>
       </dsp:txBody>
       <dsp:txXfrm>
-        <a:off x="4773682" y="385130"/>
+        <a:off x="4773682" y="367580"/>
         <a:ext cx="1484829" cy="587071"/>
       </dsp:txXfrm>
     </dsp:sp>
@@ -4172,8 +4239,8 @@
       </dsp:nvSpPr>
       <dsp:spPr>
         <a:xfrm>
-          <a:off x="5077804" y="972202"/>
-          <a:ext cx="1484829" cy="2012400"/>
+          <a:off x="5077804" y="954652"/>
+          <a:ext cx="1484829" cy="2047500"/>
         </a:xfrm>
         <a:prstGeom prst="roundRect">
           <a:avLst>
@@ -4298,8 +4365,8 @@
         </a:p>
       </dsp:txBody>
       <dsp:txXfrm>
-        <a:off x="5121293" y="1015691"/>
-        <a:ext cx="1397851" cy="1925422"/>
+        <a:off x="5121293" y="998141"/>
+        <a:ext cx="1397851" cy="1960522"/>
       </dsp:txXfrm>
     </dsp:sp>
   </dsp:spTree>
@@ -7107,7 +7174,7 @@
           <a:p>
             <a:fld id="{4DFDB323-71AC-4B9B-B11D-8F90C9392045}" type="datetimeFigureOut">
               <a:rPr lang="en-US" smtClean="0"/>
-              <a:t>9/22/2021</a:t>
+              <a:t>12/16/2022</a:t>
             </a:fld>
             <a:endParaRPr lang="en-US"/>
           </a:p>
@@ -7277,7 +7344,7 @@
           <a:p>
             <a:fld id="{4DFDB323-71AC-4B9B-B11D-8F90C9392045}" type="datetimeFigureOut">
               <a:rPr lang="en-US" smtClean="0"/>
-              <a:t>9/22/2021</a:t>
+              <a:t>12/16/2022</a:t>
             </a:fld>
             <a:endParaRPr lang="en-US"/>
           </a:p>
@@ -7457,7 +7524,7 @@
           <a:p>
             <a:fld id="{4DFDB323-71AC-4B9B-B11D-8F90C9392045}" type="datetimeFigureOut">
               <a:rPr lang="en-US" smtClean="0"/>
-              <a:t>9/22/2021</a:t>
+              <a:t>12/16/2022</a:t>
             </a:fld>
             <a:endParaRPr lang="en-US"/>
           </a:p>
@@ -7627,7 +7694,7 @@
           <a:p>
             <a:fld id="{4DFDB323-71AC-4B9B-B11D-8F90C9392045}" type="datetimeFigureOut">
               <a:rPr lang="en-US" smtClean="0"/>
-              <a:t>9/22/2021</a:t>
+              <a:t>12/16/2022</a:t>
             </a:fld>
             <a:endParaRPr lang="en-US"/>
           </a:p>
@@ -7871,7 +7938,7 @@
           <a:p>
             <a:fld id="{4DFDB323-71AC-4B9B-B11D-8F90C9392045}" type="datetimeFigureOut">
               <a:rPr lang="en-US" smtClean="0"/>
-              <a:t>9/22/2021</a:t>
+              <a:t>12/16/2022</a:t>
             </a:fld>
             <a:endParaRPr lang="en-US"/>
           </a:p>
@@ -8103,7 +8170,7 @@
           <a:p>
             <a:fld id="{4DFDB323-71AC-4B9B-B11D-8F90C9392045}" type="datetimeFigureOut">
               <a:rPr lang="en-US" smtClean="0"/>
-              <a:t>9/22/2021</a:t>
+              <a:t>12/16/2022</a:t>
             </a:fld>
             <a:endParaRPr lang="en-US"/>
           </a:p>
@@ -8470,7 +8537,7 @@
           <a:p>
             <a:fld id="{4DFDB323-71AC-4B9B-B11D-8F90C9392045}" type="datetimeFigureOut">
               <a:rPr lang="en-US" smtClean="0"/>
-              <a:t>9/22/2021</a:t>
+              <a:t>12/16/2022</a:t>
             </a:fld>
             <a:endParaRPr lang="en-US"/>
           </a:p>
@@ -8588,7 +8655,7 @@
           <a:p>
             <a:fld id="{4DFDB323-71AC-4B9B-B11D-8F90C9392045}" type="datetimeFigureOut">
               <a:rPr lang="en-US" smtClean="0"/>
-              <a:t>9/22/2021</a:t>
+              <a:t>12/16/2022</a:t>
             </a:fld>
             <a:endParaRPr lang="en-US"/>
           </a:p>
@@ -8683,7 +8750,7 @@
           <a:p>
             <a:fld id="{4DFDB323-71AC-4B9B-B11D-8F90C9392045}" type="datetimeFigureOut">
               <a:rPr lang="en-US" smtClean="0"/>
-              <a:t>9/22/2021</a:t>
+              <a:t>12/16/2022</a:t>
             </a:fld>
             <a:endParaRPr lang="en-US"/>
           </a:p>
@@ -8960,7 +9027,7 @@
           <a:p>
             <a:fld id="{4DFDB323-71AC-4B9B-B11D-8F90C9392045}" type="datetimeFigureOut">
               <a:rPr lang="en-US" smtClean="0"/>
-              <a:t>9/22/2021</a:t>
+              <a:t>12/16/2022</a:t>
             </a:fld>
             <a:endParaRPr lang="en-US"/>
           </a:p>
@@ -9217,7 +9284,7 @@
           <a:p>
             <a:fld id="{4DFDB323-71AC-4B9B-B11D-8F90C9392045}" type="datetimeFigureOut">
               <a:rPr lang="en-US" smtClean="0"/>
-              <a:t>9/22/2021</a:t>
+              <a:t>12/16/2022</a:t>
             </a:fld>
             <a:endParaRPr lang="en-US"/>
           </a:p>
@@ -9430,7 +9497,7 @@
           <a:p>
             <a:fld id="{4DFDB323-71AC-4B9B-B11D-8F90C9392045}" type="datetimeFigureOut">
               <a:rPr lang="en-US" smtClean="0"/>
-              <a:t>9/22/2021</a:t>
+              <a:t>12/16/2022</a:t>
             </a:fld>
             <a:endParaRPr lang="en-US"/>
           </a:p>
@@ -9842,7 +9909,7 @@
           <p:nvPr>
             <p:extLst>
               <p:ext uri="{D42A27DB-BD31-4B8C-83A1-F6EECF244321}">
-                <p14:modId xmlns:p14="http://schemas.microsoft.com/office/powerpoint/2010/main" val="3250283299"/>
+                <p14:modId xmlns:p14="http://schemas.microsoft.com/office/powerpoint/2010/main" val="3642172350"/>
               </p:ext>
             </p:extLst>
           </p:nvPr>
@@ -9864,7 +9931,7 @@
           <p:nvPr>
             <p:extLst>
               <p:ext uri="{D42A27DB-BD31-4B8C-83A1-F6EECF244321}">
-                <p14:modId xmlns:p14="http://schemas.microsoft.com/office/powerpoint/2010/main" val="822076339"/>
+                <p14:modId xmlns:p14="http://schemas.microsoft.com/office/powerpoint/2010/main" val="1659760300"/>
               </p:ext>
             </p:extLst>
           </p:nvPr>
